--- a/slides/第6讲.pptx
+++ b/slides/第6讲.pptx
@@ -235,7 +235,7 @@
           <a:p>
             <a:fld id="{0ABE4783-4ECF-42DB-B2EA-B6027647C859}" type="datetimeFigureOut">
               <a:rPr lang="zh-CN" altLang="en-US" smtClean="0"/>
-              <a:t>2019/10/16</a:t>
+              <a:t>2020/10/17</a:t>
             </a:fld>
             <a:endParaRPr lang="zh-CN" altLang="en-US"/>
           </a:p>
@@ -2060,7 +2060,7 @@
           <a:p>
             <a:fld id="{59493D29-A96E-4F02-A4FF-00609BBA5A4F}" type="datetimeFigureOut">
               <a:rPr lang="zh-CN" altLang="en-US" smtClean="0"/>
-              <a:t>2019/10/16</a:t>
+              <a:t>2020/10/17</a:t>
             </a:fld>
             <a:endParaRPr lang="zh-CN" altLang="en-US"/>
           </a:p>
@@ -2499,11 +2499,11 @@
           <a:lstStyle/>
           <a:p>
             <a:r>
-              <a:rPr lang="en-US" altLang="zh-CN" dirty="0" smtClean="0"/>
-              <a:t>2019</a:t>
-            </a:r>
-            <a:r>
-              <a:rPr lang="zh-CN" altLang="en-US" dirty="0" smtClean="0"/>
+              <a:rPr lang="en-US" altLang="zh-CN" smtClean="0"/>
+              <a:t>2020</a:t>
+            </a:r>
+            <a:r>
+              <a:rPr lang="zh-CN" altLang="en-US" smtClean="0"/>
               <a:t>年</a:t>
             </a:r>
             <a:r>
@@ -2516,7 +2516,7 @@
             </a:r>
             <a:r>
               <a:rPr lang="en-US" altLang="zh-CN" dirty="0" smtClean="0"/>
-              <a:t>17</a:t>
+              <a:t>15</a:t>
             </a:r>
             <a:r>
               <a:rPr lang="zh-CN" altLang="en-US" dirty="0" smtClean="0"/>
@@ -4914,7 +4914,6 @@
               <a:rPr lang="zh-CN" altLang="en-US" sz="3000" dirty="0"/>
               <a:t>类</a:t>
             </a:r>
-            <a:endParaRPr lang="zh-CN" altLang="en-US" sz="3000" dirty="0"/>
           </a:p>
         </p:txBody>
       </p:sp>
@@ -5272,7 +5271,6 @@
               <a:rPr lang="zh-CN" altLang="en-US" dirty="0"/>
               <a:t>异构子类对象数组</a:t>
             </a:r>
-            <a:endParaRPr lang="zh-CN" altLang="en-US" dirty="0"/>
           </a:p>
         </p:txBody>
       </p:sp>
@@ -10418,7 +10416,6 @@
               <a:rPr lang="zh-CN" altLang="en-US" dirty="0"/>
               <a:t>模式</a:t>
             </a:r>
-            <a:endParaRPr lang="zh-CN" altLang="en-US" dirty="0"/>
           </a:p>
         </p:txBody>
       </p:sp>
